--- a/PERSONALIZED FEDERATED LEARNING WITH.pptx
+++ b/PERSONALIZED FEDERATED LEARNING WITH.pptx
@@ -215,7 +215,7 @@
           <a:p>
             <a:fld id="{6F4A616D-A9BE-4DE4-B703-7148FEDF6932}" type="datetimeFigureOut">
               <a:rPr lang="zh-CN" altLang="en-US" smtClean="0"/>
-              <a:t>2021/12/7</a:t>
+              <a:t>2021/12/9</a:t>
             </a:fld>
             <a:endParaRPr lang="zh-CN" altLang="en-US"/>
           </a:p>
@@ -380,7 +380,7 @@
           <a:p>
             <a:fld id="{03984760-A182-472E-B032-DFEC664EFDCE}" type="datetimeFigureOut">
               <a:rPr lang="zh-CN" altLang="en-US" smtClean="0"/>
-              <a:t>2021/12/7</a:t>
+              <a:t>2021/12/9</a:t>
             </a:fld>
             <a:endParaRPr lang="zh-CN" altLang="en-US"/>
           </a:p>
@@ -870,7 +870,7 @@
               <a:t>1</a:t>
             </a:r>
             <a:r>
-              <a:rPr lang="zh-CN" altLang="en-US" sz="1200" kern="1200">
+              <a:rPr lang="zh-CN" altLang="en-US" sz="1200" kern="1200" dirty="0">
                 <a:solidFill>
                   <a:schemeClr val="tx1"/>
                 </a:solidFill>
@@ -1692,6 +1692,70 @@
                 <a:cs typeface="+mn-cs"/>
               </a:rPr>
               <a:t>重新参数化，作为本地模型当前状态之前的一个版本的更新</a:t>
+            </a:r>
+            <a:endParaRPr lang="en-US" altLang="zh-CN" sz="1200" kern="1200" dirty="0">
+              <a:solidFill>
+                <a:schemeClr val="tx1"/>
+              </a:solidFill>
+              <a:effectLst/>
+              <a:latin typeface="+mn-lt"/>
+              <a:ea typeface="+mn-ea"/>
+              <a:cs typeface="+mn-cs"/>
+            </a:endParaRPr>
+          </a:p>
+          <a:p>
+            <a:pPr marL="0" marR="0" lvl="0" indent="0" algn="l" defTabSz="914400" rtl="0" eaLnBrk="1" fontAlgn="auto" latinLnBrk="0" hangingPunct="1">
+              <a:lnSpc>
+                <a:spcPct val="100000"/>
+              </a:lnSpc>
+              <a:spcBef>
+                <a:spcPts val="0"/>
+              </a:spcBef>
+              <a:spcAft>
+                <a:spcPts val="0"/>
+              </a:spcAft>
+              <a:buClrTx/>
+              <a:buSzTx/>
+              <a:buFontTx/>
+              <a:buNone/>
+              <a:tabLst/>
+              <a:defRPr/>
+            </a:pPr>
+            <a:r>
+              <a:rPr lang="zh-CN" altLang="en-US" sz="1200" kern="1200" dirty="0">
+                <a:solidFill>
+                  <a:schemeClr val="tx1"/>
+                </a:solidFill>
+                <a:effectLst/>
+                <a:latin typeface="+mn-lt"/>
+                <a:ea typeface="+mn-ea"/>
+                <a:cs typeface="+mn-cs"/>
+              </a:rPr>
+              <a:t>这里</a:t>
+            </a:r>
+            <a:r>
+              <a:rPr lang="en-US" altLang="zh-CN" sz="1200" kern="1200" dirty="0">
+                <a:solidFill>
+                  <a:schemeClr val="tx1"/>
+                </a:solidFill>
+                <a:effectLst/>
+                <a:latin typeface="+mn-lt"/>
+                <a:ea typeface="+mn-ea"/>
+                <a:cs typeface="+mn-cs"/>
+              </a:rPr>
+              <a:t>t+1</a:t>
+            </a:r>
+            <a:r>
+              <a:rPr lang="zh-CN" altLang="en-US" sz="1200" kern="1200" dirty="0">
+                <a:solidFill>
+                  <a:schemeClr val="tx1"/>
+                </a:solidFill>
+                <a:effectLst/>
+                <a:latin typeface="+mn-lt"/>
+                <a:ea typeface="+mn-ea"/>
+                <a:cs typeface="+mn-cs"/>
+              </a:rPr>
+              <a:t>是最优项</a:t>
             </a:r>
             <a:endParaRPr lang="en-US" altLang="zh-CN" sz="1200" kern="1200" dirty="0">
               <a:solidFill>
@@ -2413,7 +2477,7 @@
           <a:p>
             <a:fld id="{441B308A-230A-4DCC-B8EA-2A2A0443A0D8}" type="datetime1">
               <a:rPr lang="zh-CN" altLang="en-US" smtClean="0"/>
-              <a:t>2021/12/7</a:t>
+              <a:t>2021/12/9</a:t>
             </a:fld>
             <a:endParaRPr lang="zh-CN" altLang="en-US" dirty="0"/>
           </a:p>
@@ -2583,7 +2647,7 @@
           <a:p>
             <a:fld id="{2C6EB7E3-A7D4-4F60-BAE2-0C1AE2CB7246}" type="datetime1">
               <a:rPr lang="zh-CN" altLang="en-US" smtClean="0"/>
-              <a:t>2021/12/7</a:t>
+              <a:t>2021/12/9</a:t>
             </a:fld>
             <a:endParaRPr lang="zh-CN" altLang="en-US"/>
           </a:p>
@@ -2763,7 +2827,7 @@
           <a:p>
             <a:fld id="{D6E0DB82-FF28-4ED4-9B2D-6DFABB263902}" type="datetime1">
               <a:rPr lang="zh-CN" altLang="en-US" smtClean="0"/>
-              <a:t>2021/12/7</a:t>
+              <a:t>2021/12/9</a:t>
             </a:fld>
             <a:endParaRPr lang="zh-CN" altLang="en-US"/>
           </a:p>
@@ -3005,7 +3069,7 @@
           <a:p>
             <a:fld id="{D3C93A88-D2EF-4019-BD10-6D8CE7CEE5F1}" type="datetime1">
               <a:rPr lang="zh-CN" altLang="en-US" smtClean="0"/>
-              <a:t>2021/12/7</a:t>
+              <a:t>2021/12/9</a:t>
             </a:fld>
             <a:endParaRPr lang="zh-CN" altLang="en-US"/>
           </a:p>
@@ -3280,7 +3344,7 @@
           <a:p>
             <a:fld id="{4F1D4E28-3F7F-4768-9EE9-2C23D56F6494}" type="datetime1">
               <a:rPr lang="zh-CN" altLang="en-US" smtClean="0"/>
-              <a:t>2021/12/7</a:t>
+              <a:t>2021/12/9</a:t>
             </a:fld>
             <a:endParaRPr lang="zh-CN" altLang="en-US"/>
           </a:p>
@@ -3512,7 +3576,7 @@
           <a:p>
             <a:fld id="{35ECABBA-4938-4E10-8402-E5616F1790FF}" type="datetime1">
               <a:rPr lang="zh-CN" altLang="en-US" smtClean="0"/>
-              <a:t>2021/12/7</a:t>
+              <a:t>2021/12/9</a:t>
             </a:fld>
             <a:endParaRPr lang="zh-CN" altLang="en-US"/>
           </a:p>
@@ -3879,7 +3943,7 @@
           <a:p>
             <a:fld id="{C94E6682-7044-40A2-885E-478754274F5C}" type="datetime1">
               <a:rPr lang="zh-CN" altLang="en-US" smtClean="0"/>
-              <a:t>2021/12/7</a:t>
+              <a:t>2021/12/9</a:t>
             </a:fld>
             <a:endParaRPr lang="zh-CN" altLang="en-US"/>
           </a:p>
@@ -3997,7 +4061,7 @@
           <a:p>
             <a:fld id="{F6CEB073-3B18-40FE-906C-20EF3FF25460}" type="datetime1">
               <a:rPr lang="zh-CN" altLang="en-US" smtClean="0"/>
-              <a:t>2021/12/7</a:t>
+              <a:t>2021/12/9</a:t>
             </a:fld>
             <a:endParaRPr lang="zh-CN" altLang="en-US"/>
           </a:p>
@@ -4092,7 +4156,7 @@
           <a:p>
             <a:fld id="{0CC8312C-5EB7-428B-9173-B6617D48A3B8}" type="datetime1">
               <a:rPr lang="zh-CN" altLang="en-US" smtClean="0"/>
-              <a:t>2021/12/7</a:t>
+              <a:t>2021/12/9</a:t>
             </a:fld>
             <a:endParaRPr lang="zh-CN" altLang="en-US"/>
           </a:p>
@@ -4369,7 +4433,7 @@
           <a:p>
             <a:fld id="{0F0E39AF-16B1-47A0-BC5E-B09CC5DF3C84}" type="datetime1">
               <a:rPr lang="zh-CN" altLang="en-US" smtClean="0"/>
-              <a:t>2021/12/7</a:t>
+              <a:t>2021/12/9</a:t>
             </a:fld>
             <a:endParaRPr lang="zh-CN" altLang="en-US"/>
           </a:p>
@@ -4626,7 +4690,7 @@
           <a:p>
             <a:fld id="{2AA25689-0A41-469A-BB46-3582D6E35CDB}" type="datetime1">
               <a:rPr lang="zh-CN" altLang="en-US" smtClean="0"/>
-              <a:t>2021/12/7</a:t>
+              <a:t>2021/12/9</a:t>
             </a:fld>
             <a:endParaRPr lang="zh-CN" altLang="en-US"/>
           </a:p>
@@ -4839,7 +4903,7 @@
           <a:p>
             <a:fld id="{C22B1E5A-814D-4614-B022-3CAC3CCE3D15}" type="datetime1">
               <a:rPr lang="zh-CN" altLang="en-US" smtClean="0"/>
-              <a:t>2021/12/7</a:t>
+              <a:t>2021/12/9</a:t>
             </a:fld>
             <a:endParaRPr lang="zh-CN" altLang="en-US"/>
           </a:p>
@@ -5300,7 +5364,7 @@
           <a:p>
             <a:fld id="{8524ED28-86B1-4906-97B2-A94AD795FA26}" type="datetime1">
               <a:rPr lang="zh-CN" altLang="en-US" smtClean="0"/>
-              <a:t>2021/12/7</a:t>
+              <a:t>2021/12/9</a:t>
             </a:fld>
             <a:endParaRPr lang="zh-CN" altLang="en-US"/>
           </a:p>
@@ -6136,10 +6200,10 @@
       </p:sp>
       <p:pic>
         <p:nvPicPr>
-          <p:cNvPr id="4" name="图片 3">
+          <p:cNvPr id="3" name="图片 2">
             <a:extLst>
               <a:ext uri="{FF2B5EF4-FFF2-40B4-BE49-F238E27FC236}">
-                <a16:creationId xmlns:a16="http://schemas.microsoft.com/office/drawing/2014/main" id="{08B5E96E-F6BD-4639-9247-469660005744}"/>
+                <a16:creationId xmlns:a16="http://schemas.microsoft.com/office/drawing/2014/main" id="{180868E5-CD82-4ABF-A13C-3D0FF7CE6549}"/>
               </a:ext>
             </a:extLst>
           </p:cNvPr>
@@ -6156,8 +6220,8 @@
         </p:blipFill>
         <p:spPr>
           <a:xfrm>
-            <a:off x="1929579" y="1203085"/>
-            <a:ext cx="4101352" cy="1842838"/>
+            <a:off x="1358581" y="1344115"/>
+            <a:ext cx="5594762" cy="1919450"/>
           </a:xfrm>
           <a:prstGeom prst="rect">
             <a:avLst/>
@@ -6166,10 +6230,10 @@
       </p:pic>
       <p:pic>
         <p:nvPicPr>
-          <p:cNvPr id="8" name="图片 7">
+          <p:cNvPr id="6" name="图片 5">
             <a:extLst>
               <a:ext uri="{FF2B5EF4-FFF2-40B4-BE49-F238E27FC236}">
-                <a16:creationId xmlns:a16="http://schemas.microsoft.com/office/drawing/2014/main" id="{86795E93-F76C-4A1D-A36A-D8B2AB7C8B9C}"/>
+                <a16:creationId xmlns:a16="http://schemas.microsoft.com/office/drawing/2014/main" id="{E0816AB1-A9CE-4075-BFB5-979451CD92E7}"/>
               </a:ext>
             </a:extLst>
           </p:cNvPr>
@@ -6186,8 +6250,8 @@
         </p:blipFill>
         <p:spPr>
           <a:xfrm>
-            <a:off x="769665" y="3429000"/>
-            <a:ext cx="2603677" cy="1693032"/>
+            <a:off x="548857" y="3429000"/>
+            <a:ext cx="2930283" cy="1919449"/>
           </a:xfrm>
           <a:prstGeom prst="rect">
             <a:avLst/>
@@ -6196,10 +6260,10 @@
       </p:pic>
       <p:pic>
         <p:nvPicPr>
-          <p:cNvPr id="9" name="图片 8">
+          <p:cNvPr id="7" name="图片 6">
             <a:extLst>
               <a:ext uri="{FF2B5EF4-FFF2-40B4-BE49-F238E27FC236}">
-                <a16:creationId xmlns:a16="http://schemas.microsoft.com/office/drawing/2014/main" id="{C87D9A8D-0EF5-4EBE-A54D-C7E377679BEC}"/>
+                <a16:creationId xmlns:a16="http://schemas.microsoft.com/office/drawing/2014/main" id="{72F55218-8E1C-4D94-AA3B-026EB6092D84}"/>
               </a:ext>
             </a:extLst>
           </p:cNvPr>
@@ -6216,8 +6280,8 @@
         </p:blipFill>
         <p:spPr>
           <a:xfrm>
-            <a:off x="4629330" y="3416556"/>
-            <a:ext cx="2716128" cy="1705476"/>
+            <a:off x="4571999" y="3428999"/>
+            <a:ext cx="2862199" cy="1831369"/>
           </a:xfrm>
           <a:prstGeom prst="rect">
             <a:avLst/>
@@ -6742,7 +6806,7 @@
         </p:nvSpPr>
         <p:spPr>
           <a:xfrm>
-            <a:off x="339045" y="2945188"/>
+            <a:off x="328771" y="2945188"/>
             <a:ext cx="7600097" cy="923330"/>
           </a:xfrm>
           <a:prstGeom prst="rect">
@@ -6789,7 +6853,15 @@
             </a:r>
             <a:r>
               <a:rPr lang="zh-CN" altLang="en-US" dirty="0"/>
-              <a:t>，使得每次聚集完客户可以从服务器下载这些参数，结合</a:t>
+              <a:t>，使得</a:t>
+            </a:r>
+            <a:r>
+              <a:rPr lang="zh-CN" altLang="en-US"/>
+              <a:t>每次聚合完</a:t>
+            </a:r>
+            <a:r>
+              <a:rPr lang="zh-CN" altLang="en-US" dirty="0"/>
+              <a:t>客户可以从服务器下载这些参数，结合</a:t>
             </a:r>
             <a:r>
               <a:rPr lang="en-US" altLang="zh-CN" dirty="0"/>
@@ -7628,111 +7700,6 @@
   <p:clrMapOvr>
     <a:masterClrMapping/>
   </p:clrMapOvr>
-  <p:timing>
-    <p:tnLst>
-      <p:par>
-        <p:cTn id="1" dur="indefinite" restart="never" nodeType="tmRoot">
-          <p:childTnLst>
-            <p:seq concurrent="1" nextAc="seek">
-              <p:cTn id="2" dur="indefinite" nodeType="mainSeq">
-                <p:childTnLst>
-                  <p:par>
-                    <p:cTn id="3" fill="hold">
-                      <p:stCondLst>
-                        <p:cond delay="indefinite"/>
-                      </p:stCondLst>
-                      <p:childTnLst>
-                        <p:par>
-                          <p:cTn id="4" fill="hold">
-                            <p:stCondLst>
-                              <p:cond delay="0"/>
-                            </p:stCondLst>
-                            <p:childTnLst>
-                              <p:par>
-                                <p:cTn id="5" presetID="1" presetClass="entr" presetSubtype="0" fill="hold" grpId="0" nodeType="clickEffect">
-                                  <p:stCondLst>
-                                    <p:cond delay="0"/>
-                                  </p:stCondLst>
-                                  <p:childTnLst>
-                                    <p:set>
-                                      <p:cBhvr>
-                                        <p:cTn id="6" dur="1" fill="hold">
-                                          <p:stCondLst>
-                                            <p:cond delay="0"/>
-                                          </p:stCondLst>
-                                        </p:cTn>
-                                        <p:tgtEl>
-                                          <p:spTgt spid="6"/>
-                                        </p:tgtEl>
-                                        <p:attrNameLst>
-                                          <p:attrName>style.visibility</p:attrName>
-                                        </p:attrNameLst>
-                                      </p:cBhvr>
-                                      <p:to>
-                                        <p:strVal val="visible"/>
-                                      </p:to>
-                                    </p:set>
-                                  </p:childTnLst>
-                                </p:cTn>
-                              </p:par>
-                              <p:par>
-                                <p:cTn id="7" presetID="1" presetClass="entr" presetSubtype="0" fill="hold" nodeType="withEffect">
-                                  <p:stCondLst>
-                                    <p:cond delay="0"/>
-                                  </p:stCondLst>
-                                  <p:childTnLst>
-                                    <p:set>
-                                      <p:cBhvr>
-                                        <p:cTn id="8" dur="1" fill="hold">
-                                          <p:stCondLst>
-                                            <p:cond delay="0"/>
-                                          </p:stCondLst>
-                                        </p:cTn>
-                                        <p:tgtEl>
-                                          <p:spTgt spid="7"/>
-                                        </p:tgtEl>
-                                        <p:attrNameLst>
-                                          <p:attrName>style.visibility</p:attrName>
-                                        </p:attrNameLst>
-                                      </p:cBhvr>
-                                      <p:to>
-                                        <p:strVal val="visible"/>
-                                      </p:to>
-                                    </p:set>
-                                  </p:childTnLst>
-                                </p:cTn>
-                              </p:par>
-                            </p:childTnLst>
-                          </p:cTn>
-                        </p:par>
-                      </p:childTnLst>
-                    </p:cTn>
-                  </p:par>
-                </p:childTnLst>
-              </p:cTn>
-              <p:prevCondLst>
-                <p:cond evt="onPrev" delay="0">
-                  <p:tgtEl>
-                    <p:sldTgt/>
-                  </p:tgtEl>
-                </p:cond>
-              </p:prevCondLst>
-              <p:nextCondLst>
-                <p:cond evt="onNext" delay="0">
-                  <p:tgtEl>
-                    <p:sldTgt/>
-                  </p:tgtEl>
-                </p:cond>
-              </p:nextCondLst>
-            </p:seq>
-          </p:childTnLst>
-        </p:cTn>
-      </p:par>
-    </p:tnLst>
-    <p:bldLst>
-      <p:bldP spid="6" grpId="0" animBg="1"/>
-    </p:bldLst>
-  </p:timing>
 </p:sld>
 </file>
 
